--- a/吉比特高校GameJam挑战赛/游戏讲解.pptx
+++ b/吉比特高校GameJam挑战赛/游戏讲解.pptx
@@ -3294,7 +3294,6 @@
             </a:pPr>
             <a:r>
               <a:rPr lang="zh-CN" altLang="en-US" sz="2000">
-                <a:ln/>
                 <a:solidFill>
                   <a:srgbClr val="FFFF00"/>
                 </a:solidFill>
@@ -3310,7 +3309,6 @@
             </a:r>
             <a:r>
               <a:rPr lang="en-US" altLang="zh-CN" sz="2000">
-                <a:ln/>
                 <a:solidFill>
                   <a:srgbClr val="FFFF00"/>
                 </a:solidFill>
@@ -3326,7 +3324,6 @@
             </a:r>
             <a:r>
               <a:rPr lang="zh-CN" altLang="en-US" sz="2000">
-                <a:ln/>
                 <a:solidFill>
                   <a:srgbClr val="FFFF00"/>
                 </a:solidFill>
@@ -3342,7 +3339,6 @@
             </a:r>
             <a:r>
               <a:rPr lang="en-US" altLang="zh-CN" sz="2000">
-                <a:ln/>
                 <a:solidFill>
                   <a:srgbClr val="FFFF00"/>
                 </a:solidFill>
@@ -3358,7 +3354,6 @@
             </a:r>
             <a:r>
               <a:rPr lang="zh-CN" altLang="en-US" sz="2000">
-                <a:ln/>
                 <a:solidFill>
                   <a:srgbClr val="FFFF00"/>
                 </a:solidFill>
@@ -3374,7 +3369,6 @@
             </a:r>
             <a:r>
               <a:rPr lang="en-US" altLang="zh-CN" sz="2000">
-                <a:ln/>
                 <a:solidFill>
                   <a:srgbClr val="FFFF00"/>
                 </a:solidFill>
@@ -3390,7 +3384,6 @@
             </a:r>
             <a:r>
               <a:rPr lang="zh-CN" altLang="en-US" sz="2000">
-                <a:ln/>
                 <a:solidFill>
                   <a:srgbClr val="FFFF00"/>
                 </a:solidFill>
@@ -3406,7 +3399,6 @@
             </a:r>
             <a:r>
               <a:rPr lang="en-US" altLang="zh-CN" sz="2000">
-                <a:ln/>
                 <a:solidFill>
                   <a:srgbClr val="FFFF00"/>
                 </a:solidFill>
@@ -3422,7 +3414,6 @@
             </a:r>
             <a:r>
               <a:rPr lang="zh-CN" altLang="en-US" sz="2000">
-                <a:ln/>
                 <a:solidFill>
                   <a:srgbClr val="FFFF00"/>
                 </a:solidFill>
@@ -3438,7 +3429,6 @@
             </a:r>
             <a:r>
               <a:rPr lang="en-US" altLang="zh-CN" sz="2000">
-                <a:ln/>
                 <a:solidFill>
                   <a:srgbClr val="FFFF00"/>
                 </a:solidFill>
@@ -3454,7 +3444,6 @@
             </a:r>
             <a:r>
               <a:rPr lang="zh-CN" altLang="en-US" sz="2000">
-                <a:ln/>
                 <a:solidFill>
                   <a:srgbClr val="FFFF00"/>
                 </a:solidFill>
@@ -3470,7 +3459,6 @@
             </a:r>
             <a:r>
               <a:rPr lang="en-US" altLang="zh-CN" sz="2000">
-                <a:ln/>
                 <a:solidFill>
                   <a:srgbClr val="FFFF00"/>
                 </a:solidFill>
@@ -3486,7 +3474,6 @@
             </a:r>
             <a:r>
               <a:rPr lang="zh-CN" altLang="en-US" sz="2000">
-                <a:ln/>
                 <a:solidFill>
                   <a:srgbClr val="FFFF00"/>
                 </a:solidFill>
@@ -3502,7 +3489,6 @@
             </a:r>
             <a:r>
               <a:rPr lang="en-US" altLang="zh-CN" sz="2000">
-                <a:ln/>
                 <a:solidFill>
                   <a:srgbClr val="FFFF00"/>
                 </a:solidFill>
@@ -3518,7 +3504,6 @@
             </a:r>
             <a:r>
               <a:rPr lang="zh-CN" altLang="en-US" sz="2000">
-                <a:ln/>
                 <a:solidFill>
                   <a:srgbClr val="FFFF00"/>
                 </a:solidFill>
@@ -3534,7 +3519,6 @@
             </a:r>
             <a:r>
               <a:rPr lang="en-US" altLang="zh-CN" sz="2000">
-                <a:ln/>
                 <a:solidFill>
                   <a:srgbClr val="FFFF00"/>
                 </a:solidFill>
@@ -3550,7 +3534,6 @@
             </a:r>
             <a:r>
               <a:rPr lang="zh-CN" altLang="en-US" sz="2000">
-                <a:ln/>
                 <a:solidFill>
                   <a:srgbClr val="FFFF00"/>
                 </a:solidFill>
@@ -3566,7 +3549,6 @@
             </a:r>
             <a:r>
               <a:rPr lang="en-US" altLang="zh-CN" sz="2000">
-                <a:ln/>
                 <a:solidFill>
                   <a:srgbClr val="FFFF00"/>
                 </a:solidFill>
@@ -3582,7 +3564,6 @@
             </a:r>
             <a:r>
               <a:rPr lang="zh-CN" altLang="en-US" sz="2000">
-                <a:ln/>
                 <a:solidFill>
                   <a:srgbClr val="FFFF00"/>
                 </a:solidFill>
@@ -3597,7 +3578,6 @@
               <a:t>快逃！我不要在睡梦中越陷越深！</a:t>
             </a:r>
             <a:endParaRPr lang="en-US" altLang="zh-CN" sz="2000">
-              <a:ln/>
               <a:solidFill>
                 <a:srgbClr val="FFFF00"/>
               </a:solidFill>
@@ -3615,7 +3595,6 @@
               <a:buNone/>
             </a:pPr>
             <a:endParaRPr lang="en-US" altLang="zh-CN" sz="2000">
-              <a:ln/>
               <a:solidFill>
                 <a:srgbClr val="FFFF00"/>
               </a:solidFill>
@@ -4055,7 +4034,15 @@
                   <a:srgbClr val="FF0000"/>
                 </a:solidFill>
               </a:rPr>
-              <a:t>玩家键位：</a:t>
+              <a:t>新手</a:t>
+            </a:r>
+            <a:r>
+              <a:rPr lang="zh-CN" altLang="en-US">
+                <a:solidFill>
+                  <a:srgbClr val="FF0000"/>
+                </a:solidFill>
+              </a:rPr>
+              <a:t>指南：</a:t>
             </a:r>
             <a:endParaRPr lang="zh-CN" altLang="en-US">
               <a:solidFill>
@@ -4102,78 +4089,6 @@
             <a:pPr marL="0" indent="0">
               <a:buNone/>
             </a:pPr>
-            <a:endParaRPr lang="zh-CN" altLang="en-US">
-              <a:solidFill>
-                <a:srgbClr val="FFFF00"/>
-              </a:solidFill>
-            </a:endParaRPr>
-          </a:p>
-          <a:p>
-            <a:pPr marL="0" indent="0">
-              <a:buNone/>
-            </a:pPr>
-            <a:r>
-              <a:rPr lang="zh-CN" altLang="en-US">
-                <a:solidFill>
-                  <a:srgbClr val="FFFF00"/>
-                </a:solidFill>
-              </a:rPr>
-              <a:t>鼠标左键：</a:t>
-            </a:r>
-            <a:endParaRPr lang="zh-CN" altLang="en-US">
-              <a:solidFill>
-                <a:srgbClr val="FFFF00"/>
-              </a:solidFill>
-            </a:endParaRPr>
-          </a:p>
-          <a:p>
-            <a:pPr marL="0" indent="0">
-              <a:buNone/>
-            </a:pPr>
-            <a:r>
-              <a:rPr lang="zh-CN" altLang="en-US">
-                <a:solidFill>
-                  <a:srgbClr val="FFFF00"/>
-                </a:solidFill>
-              </a:rPr>
-              <a:t>1.开始游戏时进行选择，“开始游戏”或者“退出游戏”</a:t>
-            </a:r>
-            <a:endParaRPr lang="zh-CN" altLang="en-US">
-              <a:solidFill>
-                <a:srgbClr val="FFFF00"/>
-              </a:solidFill>
-            </a:endParaRPr>
-          </a:p>
-          <a:p>
-            <a:pPr marL="0" indent="0">
-              <a:buNone/>
-            </a:pPr>
-            <a:r>
-              <a:rPr lang="zh-CN" altLang="en-US">
-                <a:solidFill>
-                  <a:srgbClr val="FFFF00"/>
-                </a:solidFill>
-              </a:rPr>
-              <a:t>2.游戏中，玩家的攻击键，场景切换时单击选择场景</a:t>
-            </a:r>
-            <a:endParaRPr lang="zh-CN" altLang="en-US">
-              <a:solidFill>
-                <a:srgbClr val="FFFF00"/>
-              </a:solidFill>
-            </a:endParaRPr>
-          </a:p>
-          <a:p>
-            <a:pPr marL="0" indent="0">
-              <a:buNone/>
-            </a:pPr>
-            <a:r>
-              <a:rPr lang="zh-CN" altLang="en-US">
-                <a:solidFill>
-                  <a:srgbClr val="FFFF00"/>
-                </a:solidFill>
-              </a:rPr>
-              <a:t>3.死亡或者结束时进行选择，“退出游戏”或者“重新开始”</a:t>
-            </a:r>
             <a:endParaRPr lang="zh-CN" altLang="en-US">
               <a:solidFill>
                 <a:srgbClr val="FFFF00"/>
@@ -5206,7 +5121,7 @@
 
 <file path=ppt/tags/tag71.xml><?xml version="1.0" encoding="utf-8"?>
 <p:tagLst xmlns:p="http://schemas.openxmlformats.org/presentationml/2006/main">
-  <p:tag name="commondata" val="eyJoZGlkIjoiM2JhOWM1YWM2MjY3ZWY3MWJmZGEwYzExY2Q1YjQxMGIifQ=="/>
+  <p:tag name="commondata" val="eyJoZGlkIjoiNGYwODNlYjhiYmEyY2FmYzRkZGIyNDc5ZTM2Zjk2NWYifQ=="/>
 </p:tagLst>
 </file>
 
